--- a/Designs/VGA.pptx
+++ b/Designs/VGA.pptx
@@ -7,6 +7,7 @@
   <p:sldIdLst>
     <p:sldId id="256" r:id="rId2"/>
     <p:sldId id="257" r:id="rId3"/>
+    <p:sldId id="258" r:id="rId4"/>
   </p:sldIdLst>
   <p:sldSz cx="12192000" cy="6858000"/>
   <p:notesSz cx="6858000" cy="9144000"/>
@@ -105,6 +106,11 @@
       </a:defRPr>
     </a:lvl9pPr>
   </p:defaultTextStyle>
+  <p:extLst>
+    <p:ext uri="{EFAFB233-063F-42B5-8137-9DF3F51BA10A}">
+      <p15:sldGuideLst xmlns:p15="http://schemas.microsoft.com/office/powerpoint/2012/main"/>
+    </p:ext>
+  </p:extLst>
 </p:presentation>
 </file>
 
@@ -239,7 +245,7 @@
           <a:p>
             <a:fld id="{10373BEB-CBF0-4595-A9AB-6D2268A732B2}" type="datetimeFigureOut">
               <a:rPr lang="es-419" smtClean="0"/>
-              <a:t>4/10/2016</a:t>
+              <a:t>5/10/2016</a:t>
             </a:fld>
             <a:endParaRPr lang="es-419"/>
           </a:p>
@@ -409,7 +415,7 @@
           <a:p>
             <a:fld id="{10373BEB-CBF0-4595-A9AB-6D2268A732B2}" type="datetimeFigureOut">
               <a:rPr lang="es-419" smtClean="0"/>
-              <a:t>4/10/2016</a:t>
+              <a:t>5/10/2016</a:t>
             </a:fld>
             <a:endParaRPr lang="es-419"/>
           </a:p>
@@ -589,7 +595,7 @@
           <a:p>
             <a:fld id="{10373BEB-CBF0-4595-A9AB-6D2268A732B2}" type="datetimeFigureOut">
               <a:rPr lang="es-419" smtClean="0"/>
-              <a:t>4/10/2016</a:t>
+              <a:t>5/10/2016</a:t>
             </a:fld>
             <a:endParaRPr lang="es-419"/>
           </a:p>
@@ -759,7 +765,7 @@
           <a:p>
             <a:fld id="{10373BEB-CBF0-4595-A9AB-6D2268A732B2}" type="datetimeFigureOut">
               <a:rPr lang="es-419" smtClean="0"/>
-              <a:t>4/10/2016</a:t>
+              <a:t>5/10/2016</a:t>
             </a:fld>
             <a:endParaRPr lang="es-419"/>
           </a:p>
@@ -1005,7 +1011,7 @@
           <a:p>
             <a:fld id="{10373BEB-CBF0-4595-A9AB-6D2268A732B2}" type="datetimeFigureOut">
               <a:rPr lang="es-419" smtClean="0"/>
-              <a:t>4/10/2016</a:t>
+              <a:t>5/10/2016</a:t>
             </a:fld>
             <a:endParaRPr lang="es-419"/>
           </a:p>
@@ -1237,7 +1243,7 @@
           <a:p>
             <a:fld id="{10373BEB-CBF0-4595-A9AB-6D2268A732B2}" type="datetimeFigureOut">
               <a:rPr lang="es-419" smtClean="0"/>
-              <a:t>4/10/2016</a:t>
+              <a:t>5/10/2016</a:t>
             </a:fld>
             <a:endParaRPr lang="es-419"/>
           </a:p>
@@ -1604,7 +1610,7 @@
           <a:p>
             <a:fld id="{10373BEB-CBF0-4595-A9AB-6D2268A732B2}" type="datetimeFigureOut">
               <a:rPr lang="es-419" smtClean="0"/>
-              <a:t>4/10/2016</a:t>
+              <a:t>5/10/2016</a:t>
             </a:fld>
             <a:endParaRPr lang="es-419"/>
           </a:p>
@@ -1722,7 +1728,7 @@
           <a:p>
             <a:fld id="{10373BEB-CBF0-4595-A9AB-6D2268A732B2}" type="datetimeFigureOut">
               <a:rPr lang="es-419" smtClean="0"/>
-              <a:t>4/10/2016</a:t>
+              <a:t>5/10/2016</a:t>
             </a:fld>
             <a:endParaRPr lang="es-419"/>
           </a:p>
@@ -1817,7 +1823,7 @@
           <a:p>
             <a:fld id="{10373BEB-CBF0-4595-A9AB-6D2268A732B2}" type="datetimeFigureOut">
               <a:rPr lang="es-419" smtClean="0"/>
-              <a:t>4/10/2016</a:t>
+              <a:t>5/10/2016</a:t>
             </a:fld>
             <a:endParaRPr lang="es-419"/>
           </a:p>
@@ -2094,7 +2100,7 @@
           <a:p>
             <a:fld id="{10373BEB-CBF0-4595-A9AB-6D2268A732B2}" type="datetimeFigureOut">
               <a:rPr lang="es-419" smtClean="0"/>
-              <a:t>4/10/2016</a:t>
+              <a:t>5/10/2016</a:t>
             </a:fld>
             <a:endParaRPr lang="es-419"/>
           </a:p>
@@ -2347,7 +2353,7 @@
           <a:p>
             <a:fld id="{10373BEB-CBF0-4595-A9AB-6D2268A732B2}" type="datetimeFigureOut">
               <a:rPr lang="es-419" smtClean="0"/>
-              <a:t>4/10/2016</a:t>
+              <a:t>5/10/2016</a:t>
             </a:fld>
             <a:endParaRPr lang="es-419"/>
           </a:p>
@@ -2560,7 +2566,7 @@
           <a:p>
             <a:fld id="{10373BEB-CBF0-4595-A9AB-6D2268A732B2}" type="datetimeFigureOut">
               <a:rPr lang="es-419" smtClean="0"/>
-              <a:t>4/10/2016</a:t>
+              <a:t>5/10/2016</a:t>
             </a:fld>
             <a:endParaRPr lang="es-419"/>
           </a:p>
@@ -5596,6 +5602,2005 @@
 </p:sld>
 </file>
 
+<file path=ppt/slides/slide3.xml><?xml version="1.0" encoding="utf-8"?>
+<p:sld xmlns:a="http://schemas.openxmlformats.org/drawingml/2006/main" xmlns:r="http://schemas.openxmlformats.org/officeDocument/2006/relationships" xmlns:p="http://schemas.openxmlformats.org/presentationml/2006/main">
+  <p:cSld>
+    <p:spTree>
+      <p:nvGrpSpPr>
+        <p:cNvPr id="1" name=""/>
+        <p:cNvGrpSpPr/>
+        <p:nvPr/>
+      </p:nvGrpSpPr>
+      <p:grpSpPr>
+        <a:xfrm>
+          <a:off x="0" y="0"/>
+          <a:ext cx="0" cy="0"/>
+          <a:chOff x="0" y="0"/>
+          <a:chExt cx="0" cy="0"/>
+        </a:xfrm>
+      </p:grpSpPr>
+      <p:sp>
+        <p:nvSpPr>
+          <p:cNvPr id="8" name="Flecha: a la derecha 7"/>
+          <p:cNvSpPr/>
+          <p:nvPr/>
+        </p:nvSpPr>
+        <p:spPr>
+          <a:xfrm>
+            <a:off x="9045021" y="3697945"/>
+            <a:ext cx="1451728" cy="377073"/>
+          </a:xfrm>
+          <a:prstGeom prst="rightArrow">
+            <a:avLst/>
+          </a:prstGeom>
+        </p:spPr>
+        <p:style>
+          <a:lnRef idx="2">
+            <a:schemeClr val="dk1">
+              <a:shade val="50000"/>
+            </a:schemeClr>
+          </a:lnRef>
+          <a:fillRef idx="1">
+            <a:schemeClr val="dk1"/>
+          </a:fillRef>
+          <a:effectRef idx="0">
+            <a:schemeClr val="dk1"/>
+          </a:effectRef>
+          <a:fontRef idx="minor">
+            <a:schemeClr val="lt1"/>
+          </a:fontRef>
+        </p:style>
+        <p:txBody>
+          <a:bodyPr rtlCol="0" anchor="ctr"/>
+          <a:lstStyle/>
+          <a:p>
+            <a:pPr algn="ctr"/>
+            <a:endParaRPr lang="es-419"/>
+          </a:p>
+        </p:txBody>
+      </p:sp>
+      <p:sp>
+        <p:nvSpPr>
+          <p:cNvPr id="9" name="Flecha: a la derecha 8"/>
+          <p:cNvSpPr/>
+          <p:nvPr/>
+        </p:nvSpPr>
+        <p:spPr>
+          <a:xfrm>
+            <a:off x="9040307" y="4590852"/>
+            <a:ext cx="1451728" cy="377073"/>
+          </a:xfrm>
+          <a:prstGeom prst="rightArrow">
+            <a:avLst/>
+          </a:prstGeom>
+        </p:spPr>
+        <p:style>
+          <a:lnRef idx="2">
+            <a:schemeClr val="dk1">
+              <a:shade val="50000"/>
+            </a:schemeClr>
+          </a:lnRef>
+          <a:fillRef idx="1">
+            <a:schemeClr val="dk1"/>
+          </a:fillRef>
+          <a:effectRef idx="0">
+            <a:schemeClr val="dk1"/>
+          </a:effectRef>
+          <a:fontRef idx="minor">
+            <a:schemeClr val="lt1"/>
+          </a:fontRef>
+        </p:style>
+        <p:txBody>
+          <a:bodyPr rtlCol="0" anchor="ctr"/>
+          <a:lstStyle/>
+          <a:p>
+            <a:pPr algn="ctr"/>
+            <a:endParaRPr lang="es-419"/>
+          </a:p>
+        </p:txBody>
+      </p:sp>
+      <p:sp>
+        <p:nvSpPr>
+          <p:cNvPr id="10" name="Flecha: a la derecha 9"/>
+          <p:cNvSpPr/>
+          <p:nvPr/>
+        </p:nvSpPr>
+        <p:spPr>
+          <a:xfrm>
+            <a:off x="9045021" y="4146284"/>
+            <a:ext cx="1451728" cy="377073"/>
+          </a:xfrm>
+          <a:prstGeom prst="rightArrow">
+            <a:avLst/>
+          </a:prstGeom>
+        </p:spPr>
+        <p:style>
+          <a:lnRef idx="2">
+            <a:schemeClr val="dk1">
+              <a:shade val="50000"/>
+            </a:schemeClr>
+          </a:lnRef>
+          <a:fillRef idx="1">
+            <a:schemeClr val="dk1"/>
+          </a:fillRef>
+          <a:effectRef idx="0">
+            <a:schemeClr val="dk1"/>
+          </a:effectRef>
+          <a:fontRef idx="minor">
+            <a:schemeClr val="lt1"/>
+          </a:fontRef>
+        </p:style>
+        <p:txBody>
+          <a:bodyPr rtlCol="0" anchor="ctr"/>
+          <a:lstStyle/>
+          <a:p>
+            <a:pPr algn="ctr"/>
+            <a:endParaRPr lang="es-419"/>
+          </a:p>
+        </p:txBody>
+      </p:sp>
+      <p:sp>
+        <p:nvSpPr>
+          <p:cNvPr id="23" name="Flecha: a la derecha 22"/>
+          <p:cNvSpPr/>
+          <p:nvPr/>
+        </p:nvSpPr>
+        <p:spPr>
+          <a:xfrm>
+            <a:off x="5505255" y="4160841"/>
+            <a:ext cx="1873034" cy="312478"/>
+          </a:xfrm>
+          <a:prstGeom prst="rightArrow">
+            <a:avLst/>
+          </a:prstGeom>
+        </p:spPr>
+        <p:style>
+          <a:lnRef idx="2">
+            <a:schemeClr val="dk1">
+              <a:shade val="50000"/>
+            </a:schemeClr>
+          </a:lnRef>
+          <a:fillRef idx="1">
+            <a:schemeClr val="dk1"/>
+          </a:fillRef>
+          <a:effectRef idx="0">
+            <a:schemeClr val="dk1"/>
+          </a:effectRef>
+          <a:fontRef idx="minor">
+            <a:schemeClr val="lt1"/>
+          </a:fontRef>
+        </p:style>
+        <p:txBody>
+          <a:bodyPr rtlCol="0" anchor="ctr"/>
+          <a:lstStyle/>
+          <a:p>
+            <a:pPr algn="ctr"/>
+            <a:endParaRPr lang="es-419"/>
+          </a:p>
+        </p:txBody>
+      </p:sp>
+      <p:sp>
+        <p:nvSpPr>
+          <p:cNvPr id="103" name="Flecha: a la derecha 102"/>
+          <p:cNvSpPr/>
+          <p:nvPr/>
+        </p:nvSpPr>
+        <p:spPr>
+          <a:xfrm>
+            <a:off x="922643" y="4017665"/>
+            <a:ext cx="1873034" cy="312478"/>
+          </a:xfrm>
+          <a:prstGeom prst="rightArrow">
+            <a:avLst/>
+          </a:prstGeom>
+        </p:spPr>
+        <p:style>
+          <a:lnRef idx="2">
+            <a:schemeClr val="dk1">
+              <a:shade val="50000"/>
+            </a:schemeClr>
+          </a:lnRef>
+          <a:fillRef idx="1">
+            <a:schemeClr val="dk1"/>
+          </a:fillRef>
+          <a:effectRef idx="0">
+            <a:schemeClr val="dk1"/>
+          </a:effectRef>
+          <a:fontRef idx="minor">
+            <a:schemeClr val="lt1"/>
+          </a:fontRef>
+        </p:style>
+        <p:txBody>
+          <a:bodyPr rtlCol="0" anchor="ctr"/>
+          <a:lstStyle/>
+          <a:p>
+            <a:pPr algn="ctr"/>
+            <a:endParaRPr lang="es-419"/>
+          </a:p>
+        </p:txBody>
+      </p:sp>
+      <p:sp>
+        <p:nvSpPr>
+          <p:cNvPr id="105" name="Flecha: a la derecha 104"/>
+          <p:cNvSpPr/>
+          <p:nvPr/>
+        </p:nvSpPr>
+        <p:spPr>
+          <a:xfrm rot="10800000">
+            <a:off x="929628" y="4414985"/>
+            <a:ext cx="1873034" cy="312478"/>
+          </a:xfrm>
+          <a:prstGeom prst="rightArrow">
+            <a:avLst/>
+          </a:prstGeom>
+        </p:spPr>
+        <p:style>
+          <a:lnRef idx="2">
+            <a:schemeClr val="dk1">
+              <a:shade val="50000"/>
+            </a:schemeClr>
+          </a:lnRef>
+          <a:fillRef idx="1">
+            <a:schemeClr val="dk1"/>
+          </a:fillRef>
+          <a:effectRef idx="0">
+            <a:schemeClr val="dk1"/>
+          </a:effectRef>
+          <a:fontRef idx="minor">
+            <a:schemeClr val="lt1"/>
+          </a:fontRef>
+        </p:style>
+        <p:txBody>
+          <a:bodyPr rtlCol="0" anchor="ctr"/>
+          <a:lstStyle/>
+          <a:p>
+            <a:pPr algn="ctr"/>
+            <a:endParaRPr lang="es-419"/>
+          </a:p>
+        </p:txBody>
+      </p:sp>
+      <p:sp>
+        <p:nvSpPr>
+          <p:cNvPr id="26" name="Rectángulo 25"/>
+          <p:cNvSpPr/>
+          <p:nvPr/>
+        </p:nvSpPr>
+        <p:spPr>
+          <a:xfrm>
+            <a:off x="5324960" y="1964038"/>
+            <a:ext cx="179109" cy="179109"/>
+          </a:xfrm>
+          <a:prstGeom prst="rect">
+            <a:avLst/>
+          </a:prstGeom>
+        </p:spPr>
+        <p:style>
+          <a:lnRef idx="2">
+            <a:schemeClr val="accent1">
+              <a:shade val="50000"/>
+            </a:schemeClr>
+          </a:lnRef>
+          <a:fillRef idx="1">
+            <a:schemeClr val="accent1"/>
+          </a:fillRef>
+          <a:effectRef idx="0">
+            <a:schemeClr val="accent1"/>
+          </a:effectRef>
+          <a:fontRef idx="minor">
+            <a:schemeClr val="lt1"/>
+          </a:fontRef>
+        </p:style>
+        <p:txBody>
+          <a:bodyPr rtlCol="0" anchor="ctr"/>
+          <a:lstStyle/>
+          <a:p>
+            <a:pPr algn="ctr"/>
+            <a:endParaRPr lang="es-419"/>
+          </a:p>
+        </p:txBody>
+      </p:sp>
+      <p:sp>
+        <p:nvSpPr>
+          <p:cNvPr id="27" name="Rectángulo 26"/>
+          <p:cNvSpPr/>
+          <p:nvPr/>
+        </p:nvSpPr>
+        <p:spPr>
+          <a:xfrm>
+            <a:off x="5329674" y="2213848"/>
+            <a:ext cx="179109" cy="179109"/>
+          </a:xfrm>
+          <a:prstGeom prst="rect">
+            <a:avLst/>
+          </a:prstGeom>
+        </p:spPr>
+        <p:style>
+          <a:lnRef idx="2">
+            <a:schemeClr val="accent1">
+              <a:shade val="50000"/>
+            </a:schemeClr>
+          </a:lnRef>
+          <a:fillRef idx="1">
+            <a:schemeClr val="accent1"/>
+          </a:fillRef>
+          <a:effectRef idx="0">
+            <a:schemeClr val="accent1"/>
+          </a:effectRef>
+          <a:fontRef idx="minor">
+            <a:schemeClr val="lt1"/>
+          </a:fontRef>
+        </p:style>
+        <p:txBody>
+          <a:bodyPr rtlCol="0" anchor="ctr"/>
+          <a:lstStyle/>
+          <a:p>
+            <a:pPr algn="ctr"/>
+            <a:endParaRPr lang="es-419"/>
+          </a:p>
+        </p:txBody>
+      </p:sp>
+      <p:sp>
+        <p:nvSpPr>
+          <p:cNvPr id="30" name="Rectángulo 29"/>
+          <p:cNvSpPr/>
+          <p:nvPr/>
+        </p:nvSpPr>
+        <p:spPr>
+          <a:xfrm>
+            <a:off x="3288183" y="3601040"/>
+            <a:ext cx="179109" cy="179109"/>
+          </a:xfrm>
+          <a:prstGeom prst="rect">
+            <a:avLst/>
+          </a:prstGeom>
+        </p:spPr>
+        <p:style>
+          <a:lnRef idx="2">
+            <a:schemeClr val="accent1">
+              <a:shade val="50000"/>
+            </a:schemeClr>
+          </a:lnRef>
+          <a:fillRef idx="1">
+            <a:schemeClr val="accent1"/>
+          </a:fillRef>
+          <a:effectRef idx="0">
+            <a:schemeClr val="accent1"/>
+          </a:effectRef>
+          <a:fontRef idx="minor">
+            <a:schemeClr val="lt1"/>
+          </a:fontRef>
+        </p:style>
+        <p:txBody>
+          <a:bodyPr rtlCol="0" anchor="ctr"/>
+          <a:lstStyle/>
+          <a:p>
+            <a:pPr algn="ctr"/>
+            <a:endParaRPr lang="es-419"/>
+          </a:p>
+        </p:txBody>
+      </p:sp>
+      <p:sp>
+        <p:nvSpPr>
+          <p:cNvPr id="32" name="Rectángulo 31"/>
+          <p:cNvSpPr/>
+          <p:nvPr/>
+        </p:nvSpPr>
+        <p:spPr>
+          <a:xfrm>
+            <a:off x="4262684" y="3601038"/>
+            <a:ext cx="179109" cy="179109"/>
+          </a:xfrm>
+          <a:prstGeom prst="rect">
+            <a:avLst/>
+          </a:prstGeom>
+        </p:spPr>
+        <p:style>
+          <a:lnRef idx="2">
+            <a:schemeClr val="accent1">
+              <a:shade val="50000"/>
+            </a:schemeClr>
+          </a:lnRef>
+          <a:fillRef idx="1">
+            <a:schemeClr val="accent1"/>
+          </a:fillRef>
+          <a:effectRef idx="0">
+            <a:schemeClr val="accent1"/>
+          </a:effectRef>
+          <a:fontRef idx="minor">
+            <a:schemeClr val="lt1"/>
+          </a:fontRef>
+        </p:style>
+        <p:txBody>
+          <a:bodyPr rtlCol="0" anchor="ctr"/>
+          <a:lstStyle/>
+          <a:p>
+            <a:pPr algn="ctr"/>
+            <a:endParaRPr lang="es-419"/>
+          </a:p>
+        </p:txBody>
+      </p:sp>
+      <p:sp>
+        <p:nvSpPr>
+          <p:cNvPr id="51" name="Rectángulo 50"/>
+          <p:cNvSpPr/>
+          <p:nvPr/>
+        </p:nvSpPr>
+        <p:spPr>
+          <a:xfrm>
+            <a:off x="4793821" y="3612275"/>
+            <a:ext cx="179109" cy="179109"/>
+          </a:xfrm>
+          <a:prstGeom prst="rect">
+            <a:avLst/>
+          </a:prstGeom>
+        </p:spPr>
+        <p:style>
+          <a:lnRef idx="2">
+            <a:schemeClr val="accent1">
+              <a:shade val="50000"/>
+            </a:schemeClr>
+          </a:lnRef>
+          <a:fillRef idx="1">
+            <a:schemeClr val="accent1"/>
+          </a:fillRef>
+          <a:effectRef idx="0">
+            <a:schemeClr val="accent1"/>
+          </a:effectRef>
+          <a:fontRef idx="minor">
+            <a:schemeClr val="lt1"/>
+          </a:fontRef>
+        </p:style>
+        <p:txBody>
+          <a:bodyPr rtlCol="0" anchor="ctr"/>
+          <a:lstStyle/>
+          <a:p>
+            <a:pPr algn="ctr"/>
+            <a:endParaRPr lang="es-419"/>
+          </a:p>
+        </p:txBody>
+      </p:sp>
+      <p:sp>
+        <p:nvSpPr>
+          <p:cNvPr id="86" name="Rectángulo 85"/>
+          <p:cNvSpPr/>
+          <p:nvPr/>
+        </p:nvSpPr>
+        <p:spPr>
+          <a:xfrm>
+            <a:off x="2798578" y="3829215"/>
+            <a:ext cx="179109" cy="179109"/>
+          </a:xfrm>
+          <a:prstGeom prst="rect">
+            <a:avLst/>
+          </a:prstGeom>
+        </p:spPr>
+        <p:style>
+          <a:lnRef idx="2">
+            <a:schemeClr val="accent1">
+              <a:shade val="50000"/>
+            </a:schemeClr>
+          </a:lnRef>
+          <a:fillRef idx="1">
+            <a:schemeClr val="accent1"/>
+          </a:fillRef>
+          <a:effectRef idx="0">
+            <a:schemeClr val="accent1"/>
+          </a:effectRef>
+          <a:fontRef idx="minor">
+            <a:schemeClr val="lt1"/>
+          </a:fontRef>
+        </p:style>
+        <p:txBody>
+          <a:bodyPr rtlCol="0" anchor="ctr"/>
+          <a:lstStyle/>
+          <a:p>
+            <a:pPr algn="ctr"/>
+            <a:endParaRPr lang="es-419"/>
+          </a:p>
+        </p:txBody>
+      </p:sp>
+      <p:sp>
+        <p:nvSpPr>
+          <p:cNvPr id="87" name="Rectángulo 86"/>
+          <p:cNvSpPr/>
+          <p:nvPr/>
+        </p:nvSpPr>
+        <p:spPr>
+          <a:xfrm>
+            <a:off x="7383164" y="4487760"/>
+            <a:ext cx="179109" cy="179109"/>
+          </a:xfrm>
+          <a:prstGeom prst="rect">
+            <a:avLst/>
+          </a:prstGeom>
+        </p:spPr>
+        <p:style>
+          <a:lnRef idx="2">
+            <a:schemeClr val="accent1">
+              <a:shade val="50000"/>
+            </a:schemeClr>
+          </a:lnRef>
+          <a:fillRef idx="1">
+            <a:schemeClr val="accent1"/>
+          </a:fillRef>
+          <a:effectRef idx="0">
+            <a:schemeClr val="accent1"/>
+          </a:effectRef>
+          <a:fontRef idx="minor">
+            <a:schemeClr val="lt1"/>
+          </a:fontRef>
+        </p:style>
+        <p:txBody>
+          <a:bodyPr rtlCol="0" anchor="ctr"/>
+          <a:lstStyle/>
+          <a:p>
+            <a:pPr algn="ctr"/>
+            <a:endParaRPr lang="es-419"/>
+          </a:p>
+        </p:txBody>
+      </p:sp>
+      <p:sp>
+        <p:nvSpPr>
+          <p:cNvPr id="31" name="Rectángulo 30"/>
+          <p:cNvSpPr/>
+          <p:nvPr/>
+        </p:nvSpPr>
+        <p:spPr>
+          <a:xfrm>
+            <a:off x="3788987" y="3601039"/>
+            <a:ext cx="179109" cy="179109"/>
+          </a:xfrm>
+          <a:prstGeom prst="rect">
+            <a:avLst/>
+          </a:prstGeom>
+        </p:spPr>
+        <p:style>
+          <a:lnRef idx="2">
+            <a:schemeClr val="accent1">
+              <a:shade val="50000"/>
+            </a:schemeClr>
+          </a:lnRef>
+          <a:fillRef idx="1">
+            <a:schemeClr val="accent1"/>
+          </a:fillRef>
+          <a:effectRef idx="0">
+            <a:schemeClr val="accent1"/>
+          </a:effectRef>
+          <a:fontRef idx="minor">
+            <a:schemeClr val="lt1"/>
+          </a:fontRef>
+        </p:style>
+        <p:txBody>
+          <a:bodyPr rtlCol="0" anchor="ctr"/>
+          <a:lstStyle/>
+          <a:p>
+            <a:pPr algn="ctr"/>
+            <a:endParaRPr lang="es-419"/>
+          </a:p>
+        </p:txBody>
+      </p:sp>
+      <p:sp>
+        <p:nvSpPr>
+          <p:cNvPr id="4" name="Rectángulo 3"/>
+          <p:cNvSpPr/>
+          <p:nvPr/>
+        </p:nvSpPr>
+        <p:spPr>
+          <a:xfrm>
+            <a:off x="3186260" y="1150070"/>
+            <a:ext cx="2318994" cy="1414021"/>
+          </a:xfrm>
+          <a:prstGeom prst="rect">
+            <a:avLst/>
+          </a:prstGeom>
+        </p:spPr>
+        <p:style>
+          <a:lnRef idx="2">
+            <a:schemeClr val="dk1"/>
+          </a:lnRef>
+          <a:fillRef idx="1">
+            <a:schemeClr val="lt1"/>
+          </a:fillRef>
+          <a:effectRef idx="0">
+            <a:schemeClr val="dk1"/>
+          </a:effectRef>
+          <a:fontRef idx="minor">
+            <a:schemeClr val="dk1"/>
+          </a:fontRef>
+        </p:style>
+        <p:txBody>
+          <a:bodyPr rtlCol="0" anchor="ctr"/>
+          <a:lstStyle/>
+          <a:p>
+            <a:pPr algn="ctr"/>
+            <a:r>
+              <a:rPr lang="es-US" dirty="0"/>
+              <a:t>Contadores y generadores de sincronía</a:t>
+            </a:r>
+            <a:endParaRPr lang="es-419" dirty="0"/>
+          </a:p>
+        </p:txBody>
+      </p:sp>
+      <p:sp>
+        <p:nvSpPr>
+          <p:cNvPr id="5" name="Rectángulo 4"/>
+          <p:cNvSpPr/>
+          <p:nvPr/>
+        </p:nvSpPr>
+        <p:spPr>
+          <a:xfrm>
+            <a:off x="7381189" y="3601039"/>
+            <a:ext cx="1659118" cy="1414021"/>
+          </a:xfrm>
+          <a:prstGeom prst="rect">
+            <a:avLst/>
+          </a:prstGeom>
+        </p:spPr>
+        <p:style>
+          <a:lnRef idx="2">
+            <a:schemeClr val="dk1"/>
+          </a:lnRef>
+          <a:fillRef idx="1">
+            <a:schemeClr val="lt1"/>
+          </a:fillRef>
+          <a:effectRef idx="0">
+            <a:schemeClr val="dk1"/>
+          </a:effectRef>
+          <a:fontRef idx="minor">
+            <a:schemeClr val="dk1"/>
+          </a:fontRef>
+        </p:style>
+        <p:txBody>
+          <a:bodyPr rtlCol="0" anchor="ctr"/>
+          <a:lstStyle/>
+          <a:p>
+            <a:pPr algn="ctr"/>
+            <a:r>
+              <a:rPr lang="es-US" dirty="0"/>
+              <a:t>Control de salida</a:t>
+            </a:r>
+            <a:endParaRPr lang="es-419" dirty="0"/>
+          </a:p>
+        </p:txBody>
+      </p:sp>
+      <p:sp>
+        <p:nvSpPr>
+          <p:cNvPr id="6" name="Rectángulo 5"/>
+          <p:cNvSpPr/>
+          <p:nvPr/>
+        </p:nvSpPr>
+        <p:spPr>
+          <a:xfrm>
+            <a:off x="2803290" y="3601039"/>
+            <a:ext cx="2701964" cy="1414021"/>
+          </a:xfrm>
+          <a:prstGeom prst="rect">
+            <a:avLst/>
+          </a:prstGeom>
+        </p:spPr>
+        <p:style>
+          <a:lnRef idx="2">
+            <a:schemeClr val="dk1"/>
+          </a:lnRef>
+          <a:fillRef idx="1">
+            <a:schemeClr val="lt1"/>
+          </a:fillRef>
+          <a:effectRef idx="0">
+            <a:schemeClr val="dk1"/>
+          </a:effectRef>
+          <a:fontRef idx="minor">
+            <a:schemeClr val="dk1"/>
+          </a:fontRef>
+        </p:style>
+        <p:txBody>
+          <a:bodyPr rtlCol="0" anchor="ctr"/>
+          <a:lstStyle/>
+          <a:p>
+            <a:pPr algn="ctr"/>
+            <a:r>
+              <a:rPr lang="es-US" dirty="0"/>
+              <a:t>Generador de datos</a:t>
+            </a:r>
+            <a:endParaRPr lang="es-419" dirty="0"/>
+          </a:p>
+        </p:txBody>
+      </p:sp>
+      <p:sp>
+        <p:nvSpPr>
+          <p:cNvPr id="11" name="CuadroTexto 10"/>
+          <p:cNvSpPr txBox="1"/>
+          <p:nvPr/>
+        </p:nvSpPr>
+        <p:spPr>
+          <a:xfrm>
+            <a:off x="10502551" y="3738555"/>
+            <a:ext cx="559769" cy="276999"/>
+          </a:xfrm>
+          <a:prstGeom prst="rect">
+            <a:avLst/>
+          </a:prstGeom>
+          <a:noFill/>
+        </p:spPr>
+        <p:txBody>
+          <a:bodyPr wrap="none" rtlCol="0">
+            <a:spAutoFit/>
+          </a:bodyPr>
+          <a:lstStyle/>
+          <a:p>
+            <a:r>
+              <a:rPr lang="es-US" sz="1200" dirty="0"/>
+              <a:t>R[3:0]</a:t>
+            </a:r>
+            <a:endParaRPr lang="es-419" sz="1200" dirty="0"/>
+          </a:p>
+        </p:txBody>
+      </p:sp>
+      <p:sp>
+        <p:nvSpPr>
+          <p:cNvPr id="12" name="CuadroTexto 11"/>
+          <p:cNvSpPr txBox="1"/>
+          <p:nvPr/>
+        </p:nvSpPr>
+        <p:spPr>
+          <a:xfrm>
+            <a:off x="10502551" y="4196320"/>
+            <a:ext cx="574196" cy="276999"/>
+          </a:xfrm>
+          <a:prstGeom prst="rect">
+            <a:avLst/>
+          </a:prstGeom>
+          <a:noFill/>
+        </p:spPr>
+        <p:txBody>
+          <a:bodyPr wrap="none" rtlCol="0">
+            <a:spAutoFit/>
+          </a:bodyPr>
+          <a:lstStyle/>
+          <a:p>
+            <a:r>
+              <a:rPr lang="es-US" sz="1200" dirty="0"/>
+              <a:t>G[3:0]</a:t>
+            </a:r>
+            <a:endParaRPr lang="es-419" sz="1200" dirty="0"/>
+          </a:p>
+        </p:txBody>
+      </p:sp>
+      <p:sp>
+        <p:nvSpPr>
+          <p:cNvPr id="13" name="CuadroTexto 12"/>
+          <p:cNvSpPr txBox="1"/>
+          <p:nvPr/>
+        </p:nvSpPr>
+        <p:spPr>
+          <a:xfrm>
+            <a:off x="10502551" y="4620527"/>
+            <a:ext cx="559769" cy="276999"/>
+          </a:xfrm>
+          <a:prstGeom prst="rect">
+            <a:avLst/>
+          </a:prstGeom>
+          <a:noFill/>
+        </p:spPr>
+        <p:txBody>
+          <a:bodyPr wrap="none" rtlCol="0">
+            <a:spAutoFit/>
+          </a:bodyPr>
+          <a:lstStyle/>
+          <a:p>
+            <a:r>
+              <a:rPr lang="es-US" sz="1200" dirty="0"/>
+              <a:t>B[3:0]</a:t>
+            </a:r>
+            <a:endParaRPr lang="es-419" sz="1200" dirty="0"/>
+          </a:p>
+        </p:txBody>
+      </p:sp>
+      <p:cxnSp>
+        <p:nvCxnSpPr>
+          <p:cNvPr id="14" name="Conector recto de flecha 13"/>
+          <p:cNvCxnSpPr/>
+          <p:nvPr/>
+        </p:nvCxnSpPr>
+        <p:spPr>
+          <a:xfrm>
+            <a:off x="5505254" y="1288570"/>
+            <a:ext cx="4977354" cy="0"/>
+          </a:xfrm>
+          <a:prstGeom prst="straightConnector1">
+            <a:avLst/>
+          </a:prstGeom>
+          <a:ln>
+            <a:tailEnd type="triangle"/>
+          </a:ln>
+        </p:spPr>
+        <p:style>
+          <a:lnRef idx="1">
+            <a:schemeClr val="dk1"/>
+          </a:lnRef>
+          <a:fillRef idx="0">
+            <a:schemeClr val="dk1"/>
+          </a:fillRef>
+          <a:effectRef idx="0">
+            <a:schemeClr val="dk1"/>
+          </a:effectRef>
+          <a:fontRef idx="minor">
+            <a:schemeClr val="tx1"/>
+          </a:fontRef>
+        </p:style>
+      </p:cxnSp>
+      <p:cxnSp>
+        <p:nvCxnSpPr>
+          <p:cNvPr id="15" name="Conector recto de flecha 14"/>
+          <p:cNvCxnSpPr/>
+          <p:nvPr/>
+        </p:nvCxnSpPr>
+        <p:spPr>
+          <a:xfrm>
+            <a:off x="5505254" y="1571374"/>
+            <a:ext cx="4977354" cy="0"/>
+          </a:xfrm>
+          <a:prstGeom prst="straightConnector1">
+            <a:avLst/>
+          </a:prstGeom>
+          <a:ln>
+            <a:tailEnd type="triangle"/>
+          </a:ln>
+        </p:spPr>
+        <p:style>
+          <a:lnRef idx="1">
+            <a:schemeClr val="dk1"/>
+          </a:lnRef>
+          <a:fillRef idx="0">
+            <a:schemeClr val="dk1"/>
+          </a:fillRef>
+          <a:effectRef idx="0">
+            <a:schemeClr val="dk1"/>
+          </a:effectRef>
+          <a:fontRef idx="minor">
+            <a:schemeClr val="tx1"/>
+          </a:fontRef>
+        </p:style>
+      </p:cxnSp>
+      <p:sp>
+        <p:nvSpPr>
+          <p:cNvPr id="16" name="CuadroTexto 15"/>
+          <p:cNvSpPr txBox="1"/>
+          <p:nvPr/>
+        </p:nvSpPr>
+        <p:spPr>
+          <a:xfrm>
+            <a:off x="10482608" y="1150070"/>
+            <a:ext cx="564322" cy="276999"/>
+          </a:xfrm>
+          <a:prstGeom prst="rect">
+            <a:avLst/>
+          </a:prstGeom>
+          <a:noFill/>
+        </p:spPr>
+        <p:txBody>
+          <a:bodyPr wrap="none" rtlCol="0">
+            <a:spAutoFit/>
+          </a:bodyPr>
+          <a:lstStyle/>
+          <a:p>
+            <a:r>
+              <a:rPr lang="es-US" sz="1200" dirty="0" err="1"/>
+              <a:t>HSync</a:t>
+            </a:r>
+            <a:endParaRPr lang="es-419" sz="1200" dirty="0"/>
+          </a:p>
+        </p:txBody>
+      </p:sp>
+      <p:sp>
+        <p:nvSpPr>
+          <p:cNvPr id="17" name="CuadroTexto 16"/>
+          <p:cNvSpPr txBox="1"/>
+          <p:nvPr/>
+        </p:nvSpPr>
+        <p:spPr>
+          <a:xfrm>
+            <a:off x="10493124" y="1432874"/>
+            <a:ext cx="553806" cy="276999"/>
+          </a:xfrm>
+          <a:prstGeom prst="rect">
+            <a:avLst/>
+          </a:prstGeom>
+          <a:noFill/>
+        </p:spPr>
+        <p:txBody>
+          <a:bodyPr wrap="none" rtlCol="0">
+            <a:spAutoFit/>
+          </a:bodyPr>
+          <a:lstStyle/>
+          <a:p>
+            <a:r>
+              <a:rPr lang="es-US" sz="1200" dirty="0" err="1"/>
+              <a:t>VSync</a:t>
+            </a:r>
+            <a:endParaRPr lang="es-419" sz="1200" dirty="0"/>
+          </a:p>
+        </p:txBody>
+      </p:sp>
+      <p:cxnSp>
+        <p:nvCxnSpPr>
+          <p:cNvPr id="21" name="Conector: angular 20"/>
+          <p:cNvCxnSpPr>
+            <a:stCxn id="4" idx="3"/>
+            <a:endCxn id="5" idx="0"/>
+          </p:cNvCxnSpPr>
+          <p:nvPr/>
+        </p:nvCxnSpPr>
+        <p:spPr>
+          <a:xfrm>
+            <a:off x="5505254" y="1857081"/>
+            <a:ext cx="2705494" cy="1743958"/>
+          </a:xfrm>
+          <a:prstGeom prst="bentConnector2">
+            <a:avLst/>
+          </a:prstGeom>
+          <a:ln>
+            <a:tailEnd type="triangle"/>
+          </a:ln>
+        </p:spPr>
+        <p:style>
+          <a:lnRef idx="1">
+            <a:schemeClr val="dk1"/>
+          </a:lnRef>
+          <a:fillRef idx="0">
+            <a:schemeClr val="dk1"/>
+          </a:fillRef>
+          <a:effectRef idx="0">
+            <a:schemeClr val="dk1"/>
+          </a:effectRef>
+          <a:fontRef idx="minor">
+            <a:schemeClr val="tx1"/>
+          </a:fontRef>
+        </p:style>
+      </p:cxnSp>
+      <p:sp>
+        <p:nvSpPr>
+          <p:cNvPr id="22" name="CuadroTexto 21"/>
+          <p:cNvSpPr txBox="1"/>
+          <p:nvPr/>
+        </p:nvSpPr>
+        <p:spPr>
+          <a:xfrm>
+            <a:off x="8216646" y="2894029"/>
+            <a:ext cx="527709" cy="276999"/>
+          </a:xfrm>
+          <a:prstGeom prst="rect">
+            <a:avLst/>
+          </a:prstGeom>
+          <a:noFill/>
+        </p:spPr>
+        <p:txBody>
+          <a:bodyPr wrap="none" rtlCol="0">
+            <a:spAutoFit/>
+          </a:bodyPr>
+          <a:lstStyle/>
+          <a:p>
+            <a:r>
+              <a:rPr lang="es-US" sz="1200" dirty="0" err="1"/>
+              <a:t>Blank</a:t>
+            </a:r>
+            <a:endParaRPr lang="es-419" sz="1200" dirty="0"/>
+          </a:p>
+        </p:txBody>
+      </p:sp>
+      <p:sp>
+        <p:nvSpPr>
+          <p:cNvPr id="25" name="CuadroTexto 24"/>
+          <p:cNvSpPr txBox="1"/>
+          <p:nvPr/>
+        </p:nvSpPr>
+        <p:spPr>
+          <a:xfrm>
+            <a:off x="6057724" y="3869285"/>
+            <a:ext cx="739498" cy="276999"/>
+          </a:xfrm>
+          <a:prstGeom prst="rect">
+            <a:avLst/>
+          </a:prstGeom>
+          <a:noFill/>
+        </p:spPr>
+        <p:txBody>
+          <a:bodyPr wrap="none" rtlCol="0">
+            <a:spAutoFit/>
+          </a:bodyPr>
+          <a:lstStyle/>
+          <a:p>
+            <a:r>
+              <a:rPr lang="es-US" sz="1200" dirty="0"/>
+              <a:t>RGB[5:0]</a:t>
+            </a:r>
+            <a:endParaRPr lang="es-419" sz="1200" dirty="0"/>
+          </a:p>
+        </p:txBody>
+      </p:sp>
+      <p:cxnSp>
+        <p:nvCxnSpPr>
+          <p:cNvPr id="34" name="Conector: angular 33"/>
+          <p:cNvCxnSpPr>
+            <a:stCxn id="26" idx="3"/>
+            <a:endCxn id="30" idx="0"/>
+          </p:cNvCxnSpPr>
+          <p:nvPr/>
+        </p:nvCxnSpPr>
+        <p:spPr>
+          <a:xfrm flipH="1">
+            <a:off x="3377738" y="2053593"/>
+            <a:ext cx="2126331" cy="1547447"/>
+          </a:xfrm>
+          <a:prstGeom prst="bentConnector4">
+            <a:avLst>
+              <a:gd name="adj1" fmla="val -21834"/>
+              <a:gd name="adj2" fmla="val 52894"/>
+            </a:avLst>
+          </a:prstGeom>
+          <a:ln>
+            <a:tailEnd type="triangle"/>
+          </a:ln>
+        </p:spPr>
+        <p:style>
+          <a:lnRef idx="1">
+            <a:schemeClr val="dk1"/>
+          </a:lnRef>
+          <a:fillRef idx="0">
+            <a:schemeClr val="dk1"/>
+          </a:fillRef>
+          <a:effectRef idx="0">
+            <a:schemeClr val="dk1"/>
+          </a:effectRef>
+          <a:fontRef idx="minor">
+            <a:schemeClr val="tx1"/>
+          </a:fontRef>
+        </p:style>
+      </p:cxnSp>
+      <p:cxnSp>
+        <p:nvCxnSpPr>
+          <p:cNvPr id="36" name="Conector: angular 35"/>
+          <p:cNvCxnSpPr>
+            <a:stCxn id="27" idx="3"/>
+            <a:endCxn id="31" idx="0"/>
+          </p:cNvCxnSpPr>
+          <p:nvPr/>
+        </p:nvCxnSpPr>
+        <p:spPr>
+          <a:xfrm flipH="1">
+            <a:off x="3878542" y="2303403"/>
+            <a:ext cx="1630241" cy="1297636"/>
+          </a:xfrm>
+          <a:prstGeom prst="bentConnector4">
+            <a:avLst>
+              <a:gd name="adj1" fmla="val -14022"/>
+              <a:gd name="adj2" fmla="val 53451"/>
+            </a:avLst>
+          </a:prstGeom>
+          <a:ln>
+            <a:tailEnd type="triangle"/>
+          </a:ln>
+        </p:spPr>
+        <p:style>
+          <a:lnRef idx="1">
+            <a:schemeClr val="dk1"/>
+          </a:lnRef>
+          <a:fillRef idx="0">
+            <a:schemeClr val="dk1"/>
+          </a:fillRef>
+          <a:effectRef idx="0">
+            <a:schemeClr val="dk1"/>
+          </a:effectRef>
+          <a:fontRef idx="minor">
+            <a:schemeClr val="tx1"/>
+          </a:fontRef>
+        </p:style>
+      </p:cxnSp>
+      <p:cxnSp>
+        <p:nvCxnSpPr>
+          <p:cNvPr id="39" name="Conector: angular 38"/>
+          <p:cNvCxnSpPr>
+            <a:stCxn id="41" idx="4"/>
+            <a:endCxn id="32" idx="0"/>
+          </p:cNvCxnSpPr>
+          <p:nvPr/>
+        </p:nvCxnSpPr>
+        <p:spPr>
+          <a:xfrm rot="5400000">
+            <a:off x="4277212" y="1693176"/>
+            <a:ext cx="1982889" cy="1832834"/>
+          </a:xfrm>
+          <a:prstGeom prst="bentConnector3">
+            <a:avLst>
+              <a:gd name="adj1" fmla="val 76147"/>
+            </a:avLst>
+          </a:prstGeom>
+          <a:ln>
+            <a:tailEnd type="triangle"/>
+          </a:ln>
+        </p:spPr>
+        <p:style>
+          <a:lnRef idx="1">
+            <a:schemeClr val="dk1"/>
+          </a:lnRef>
+          <a:fillRef idx="0">
+            <a:schemeClr val="dk1"/>
+          </a:fillRef>
+          <a:effectRef idx="0">
+            <a:schemeClr val="dk1"/>
+          </a:effectRef>
+          <a:fontRef idx="minor">
+            <a:schemeClr val="tx1"/>
+          </a:fontRef>
+        </p:style>
+      </p:cxnSp>
+      <p:sp>
+        <p:nvSpPr>
+          <p:cNvPr id="41" name="Elipse 40"/>
+          <p:cNvSpPr/>
+          <p:nvPr/>
+        </p:nvSpPr>
+        <p:spPr>
+          <a:xfrm>
+            <a:off x="6137939" y="1523881"/>
+            <a:ext cx="94268" cy="94268"/>
+          </a:xfrm>
+          <a:prstGeom prst="ellipse">
+            <a:avLst/>
+          </a:prstGeom>
+        </p:spPr>
+        <p:style>
+          <a:lnRef idx="2">
+            <a:schemeClr val="dk1">
+              <a:shade val="50000"/>
+            </a:schemeClr>
+          </a:lnRef>
+          <a:fillRef idx="1">
+            <a:schemeClr val="dk1"/>
+          </a:fillRef>
+          <a:effectRef idx="0">
+            <a:schemeClr val="dk1"/>
+          </a:effectRef>
+          <a:fontRef idx="minor">
+            <a:schemeClr val="lt1"/>
+          </a:fontRef>
+        </p:style>
+        <p:txBody>
+          <a:bodyPr rtlCol="0" anchor="ctr"/>
+          <a:lstStyle/>
+          <a:p>
+            <a:pPr algn="ctr"/>
+            <a:endParaRPr lang="es-419"/>
+          </a:p>
+        </p:txBody>
+      </p:sp>
+      <p:sp>
+        <p:nvSpPr>
+          <p:cNvPr id="42" name="CuadroTexto 41"/>
+          <p:cNvSpPr txBox="1"/>
+          <p:nvPr/>
+        </p:nvSpPr>
+        <p:spPr>
+          <a:xfrm>
+            <a:off x="3325496" y="3092904"/>
+            <a:ext cx="476605" cy="276999"/>
+          </a:xfrm>
+          <a:prstGeom prst="rect">
+            <a:avLst/>
+          </a:prstGeom>
+          <a:noFill/>
+        </p:spPr>
+        <p:txBody>
+          <a:bodyPr wrap="none" rtlCol="0">
+            <a:spAutoFit/>
+          </a:bodyPr>
+          <a:lstStyle/>
+          <a:p>
+            <a:r>
+              <a:rPr lang="es-US" sz="1200" dirty="0" err="1"/>
+              <a:t>CntX</a:t>
+            </a:r>
+            <a:endParaRPr lang="es-419" sz="1200" dirty="0"/>
+          </a:p>
+        </p:txBody>
+      </p:sp>
+      <p:sp>
+        <p:nvSpPr>
+          <p:cNvPr id="43" name="CuadroTexto 42"/>
+          <p:cNvSpPr txBox="1"/>
+          <p:nvPr/>
+        </p:nvSpPr>
+        <p:spPr>
+          <a:xfrm>
+            <a:off x="3843181" y="3092904"/>
+            <a:ext cx="471796" cy="276999"/>
+          </a:xfrm>
+          <a:prstGeom prst="rect">
+            <a:avLst/>
+          </a:prstGeom>
+          <a:noFill/>
+        </p:spPr>
+        <p:txBody>
+          <a:bodyPr wrap="none" rtlCol="0">
+            <a:spAutoFit/>
+          </a:bodyPr>
+          <a:lstStyle/>
+          <a:p>
+            <a:r>
+              <a:rPr lang="es-US" sz="1200" dirty="0" err="1"/>
+              <a:t>CntY</a:t>
+            </a:r>
+            <a:endParaRPr lang="es-419" sz="1200" dirty="0"/>
+          </a:p>
+        </p:txBody>
+      </p:sp>
+      <p:sp>
+        <p:nvSpPr>
+          <p:cNvPr id="53" name="Elipse 52"/>
+          <p:cNvSpPr/>
+          <p:nvPr/>
+        </p:nvSpPr>
+        <p:spPr>
+          <a:xfrm>
+            <a:off x="6688863" y="1811341"/>
+            <a:ext cx="94268" cy="94268"/>
+          </a:xfrm>
+          <a:prstGeom prst="ellipse">
+            <a:avLst/>
+          </a:prstGeom>
+        </p:spPr>
+        <p:style>
+          <a:lnRef idx="2">
+            <a:schemeClr val="dk1">
+              <a:shade val="50000"/>
+            </a:schemeClr>
+          </a:lnRef>
+          <a:fillRef idx="1">
+            <a:schemeClr val="dk1"/>
+          </a:fillRef>
+          <a:effectRef idx="0">
+            <a:schemeClr val="dk1"/>
+          </a:effectRef>
+          <a:fontRef idx="minor">
+            <a:schemeClr val="lt1"/>
+          </a:fontRef>
+        </p:style>
+        <p:txBody>
+          <a:bodyPr rtlCol="0" anchor="ctr"/>
+          <a:lstStyle/>
+          <a:p>
+            <a:pPr algn="ctr"/>
+            <a:endParaRPr lang="es-419"/>
+          </a:p>
+        </p:txBody>
+      </p:sp>
+      <p:cxnSp>
+        <p:nvCxnSpPr>
+          <p:cNvPr id="55" name="Conector: angular 54"/>
+          <p:cNvCxnSpPr>
+            <a:stCxn id="53" idx="4"/>
+            <a:endCxn id="51" idx="0"/>
+          </p:cNvCxnSpPr>
+          <p:nvPr/>
+        </p:nvCxnSpPr>
+        <p:spPr>
+          <a:xfrm rot="5400000">
+            <a:off x="4956354" y="1832632"/>
+            <a:ext cx="1706666" cy="1852621"/>
+          </a:xfrm>
+          <a:prstGeom prst="bentConnector3">
+            <a:avLst>
+              <a:gd name="adj1" fmla="val 80379"/>
+            </a:avLst>
+          </a:prstGeom>
+          <a:ln>
+            <a:tailEnd type="triangle"/>
+          </a:ln>
+        </p:spPr>
+        <p:style>
+          <a:lnRef idx="1">
+            <a:schemeClr val="dk1"/>
+          </a:lnRef>
+          <a:fillRef idx="0">
+            <a:schemeClr val="dk1"/>
+          </a:fillRef>
+          <a:effectRef idx="0">
+            <a:schemeClr val="dk1"/>
+          </a:effectRef>
+          <a:fontRef idx="minor">
+            <a:schemeClr val="tx1"/>
+          </a:fontRef>
+        </p:style>
+      </p:cxnSp>
+      <p:cxnSp>
+        <p:nvCxnSpPr>
+          <p:cNvPr id="58" name="Conector recto de flecha 57"/>
+          <p:cNvCxnSpPr/>
+          <p:nvPr/>
+        </p:nvCxnSpPr>
+        <p:spPr>
+          <a:xfrm>
+            <a:off x="772998" y="2309511"/>
+            <a:ext cx="2413262" cy="0"/>
+          </a:xfrm>
+          <a:prstGeom prst="straightConnector1">
+            <a:avLst/>
+          </a:prstGeom>
+          <a:ln>
+            <a:tailEnd type="triangle"/>
+          </a:ln>
+        </p:spPr>
+        <p:style>
+          <a:lnRef idx="1">
+            <a:schemeClr val="dk1"/>
+          </a:lnRef>
+          <a:fillRef idx="0">
+            <a:schemeClr val="dk1"/>
+          </a:fillRef>
+          <a:effectRef idx="0">
+            <a:schemeClr val="dk1"/>
+          </a:effectRef>
+          <a:fontRef idx="minor">
+            <a:schemeClr val="tx1"/>
+          </a:fontRef>
+        </p:style>
+      </p:cxnSp>
+      <p:sp>
+        <p:nvSpPr>
+          <p:cNvPr id="60" name="Triángulo isósceles 59"/>
+          <p:cNvSpPr/>
+          <p:nvPr/>
+        </p:nvSpPr>
+        <p:spPr>
+          <a:xfrm rot="5400000">
+            <a:off x="3187019" y="2225551"/>
+            <a:ext cx="169683" cy="146278"/>
+          </a:xfrm>
+          <a:prstGeom prst="triangle">
+            <a:avLst/>
+          </a:prstGeom>
+        </p:spPr>
+        <p:style>
+          <a:lnRef idx="2">
+            <a:schemeClr val="dk1">
+              <a:shade val="50000"/>
+            </a:schemeClr>
+          </a:lnRef>
+          <a:fillRef idx="1">
+            <a:schemeClr val="dk1"/>
+          </a:fillRef>
+          <a:effectRef idx="0">
+            <a:schemeClr val="dk1"/>
+          </a:effectRef>
+          <a:fontRef idx="minor">
+            <a:schemeClr val="lt1"/>
+          </a:fontRef>
+        </p:style>
+        <p:txBody>
+          <a:bodyPr rtlCol="0" anchor="ctr"/>
+          <a:lstStyle/>
+          <a:p>
+            <a:pPr algn="ctr"/>
+            <a:endParaRPr lang="es-419"/>
+          </a:p>
+        </p:txBody>
+      </p:sp>
+      <p:sp>
+        <p:nvSpPr>
+          <p:cNvPr id="61" name="Triángulo isósceles 60"/>
+          <p:cNvSpPr/>
+          <p:nvPr/>
+        </p:nvSpPr>
+        <p:spPr>
+          <a:xfrm rot="5400000">
+            <a:off x="2788058" y="4739546"/>
+            <a:ext cx="169683" cy="146278"/>
+          </a:xfrm>
+          <a:prstGeom prst="triangle">
+            <a:avLst/>
+          </a:prstGeom>
+        </p:spPr>
+        <p:style>
+          <a:lnRef idx="2">
+            <a:schemeClr val="dk1">
+              <a:shade val="50000"/>
+            </a:schemeClr>
+          </a:lnRef>
+          <a:fillRef idx="1">
+            <a:schemeClr val="dk1"/>
+          </a:fillRef>
+          <a:effectRef idx="0">
+            <a:schemeClr val="dk1"/>
+          </a:effectRef>
+          <a:fontRef idx="minor">
+            <a:schemeClr val="lt1"/>
+          </a:fontRef>
+        </p:style>
+        <p:txBody>
+          <a:bodyPr rtlCol="0" anchor="ctr"/>
+          <a:lstStyle/>
+          <a:p>
+            <a:pPr algn="ctr"/>
+            <a:endParaRPr lang="es-419"/>
+          </a:p>
+        </p:txBody>
+      </p:sp>
+      <p:sp>
+        <p:nvSpPr>
+          <p:cNvPr id="62" name="Triángulo isósceles 61"/>
+          <p:cNvSpPr/>
+          <p:nvPr/>
+        </p:nvSpPr>
+        <p:spPr>
+          <a:xfrm rot="5400000">
+            <a:off x="7366586" y="4753988"/>
+            <a:ext cx="169683" cy="146278"/>
+          </a:xfrm>
+          <a:prstGeom prst="triangle">
+            <a:avLst/>
+          </a:prstGeom>
+        </p:spPr>
+        <p:style>
+          <a:lnRef idx="2">
+            <a:schemeClr val="dk1">
+              <a:shade val="50000"/>
+            </a:schemeClr>
+          </a:lnRef>
+          <a:fillRef idx="1">
+            <a:schemeClr val="dk1"/>
+          </a:fillRef>
+          <a:effectRef idx="0">
+            <a:schemeClr val="dk1"/>
+          </a:effectRef>
+          <a:fontRef idx="minor">
+            <a:schemeClr val="lt1"/>
+          </a:fontRef>
+        </p:style>
+        <p:txBody>
+          <a:bodyPr rtlCol="0" anchor="ctr"/>
+          <a:lstStyle/>
+          <a:p>
+            <a:pPr algn="ctr"/>
+            <a:endParaRPr lang="es-419"/>
+          </a:p>
+        </p:txBody>
+      </p:sp>
+      <p:sp>
+        <p:nvSpPr>
+          <p:cNvPr id="64" name="Elipse 63"/>
+          <p:cNvSpPr/>
+          <p:nvPr/>
+        </p:nvSpPr>
+        <p:spPr>
+          <a:xfrm>
+            <a:off x="1629703" y="2260983"/>
+            <a:ext cx="94268" cy="94268"/>
+          </a:xfrm>
+          <a:prstGeom prst="ellipse">
+            <a:avLst/>
+          </a:prstGeom>
+        </p:spPr>
+        <p:style>
+          <a:lnRef idx="2">
+            <a:schemeClr val="dk1">
+              <a:shade val="50000"/>
+            </a:schemeClr>
+          </a:lnRef>
+          <a:fillRef idx="1">
+            <a:schemeClr val="dk1"/>
+          </a:fillRef>
+          <a:effectRef idx="0">
+            <a:schemeClr val="dk1"/>
+          </a:effectRef>
+          <a:fontRef idx="minor">
+            <a:schemeClr val="lt1"/>
+          </a:fontRef>
+        </p:style>
+        <p:txBody>
+          <a:bodyPr rtlCol="0" anchor="ctr"/>
+          <a:lstStyle/>
+          <a:p>
+            <a:pPr algn="ctr"/>
+            <a:endParaRPr lang="es-419"/>
+          </a:p>
+        </p:txBody>
+      </p:sp>
+      <p:cxnSp>
+        <p:nvCxnSpPr>
+          <p:cNvPr id="67" name="Conector: angular 66"/>
+          <p:cNvCxnSpPr>
+            <a:stCxn id="64" idx="4"/>
+            <a:endCxn id="61" idx="3"/>
+          </p:cNvCxnSpPr>
+          <p:nvPr/>
+        </p:nvCxnSpPr>
+        <p:spPr>
+          <a:xfrm rot="16200000" flipH="1">
+            <a:off x="1009582" y="3022506"/>
+            <a:ext cx="2457435" cy="1122924"/>
+          </a:xfrm>
+          <a:prstGeom prst="bentConnector2">
+            <a:avLst/>
+          </a:prstGeom>
+          <a:ln>
+            <a:tailEnd type="triangle"/>
+          </a:ln>
+        </p:spPr>
+        <p:style>
+          <a:lnRef idx="1">
+            <a:schemeClr val="dk1"/>
+          </a:lnRef>
+          <a:fillRef idx="0">
+            <a:schemeClr val="dk1"/>
+          </a:fillRef>
+          <a:effectRef idx="0">
+            <a:schemeClr val="dk1"/>
+          </a:effectRef>
+          <a:fontRef idx="minor">
+            <a:schemeClr val="tx1"/>
+          </a:fontRef>
+        </p:style>
+      </p:cxnSp>
+      <p:cxnSp>
+        <p:nvCxnSpPr>
+          <p:cNvPr id="69" name="Conector: angular 68"/>
+          <p:cNvCxnSpPr>
+            <a:stCxn id="74" idx="4"/>
+            <a:endCxn id="62" idx="3"/>
+          </p:cNvCxnSpPr>
+          <p:nvPr/>
+        </p:nvCxnSpPr>
+        <p:spPr>
+          <a:xfrm rot="5400000" flipH="1" flipV="1">
+            <a:off x="4520823" y="1992928"/>
+            <a:ext cx="23266" cy="5691665"/>
+          </a:xfrm>
+          <a:prstGeom prst="bentConnector4">
+            <a:avLst>
+              <a:gd name="adj1" fmla="val -2481707"/>
+              <a:gd name="adj2" fmla="val 91883"/>
+            </a:avLst>
+          </a:prstGeom>
+          <a:ln>
+            <a:tailEnd type="triangle"/>
+          </a:ln>
+        </p:spPr>
+        <p:style>
+          <a:lnRef idx="1">
+            <a:schemeClr val="dk1"/>
+          </a:lnRef>
+          <a:fillRef idx="0">
+            <a:schemeClr val="dk1"/>
+          </a:fillRef>
+          <a:effectRef idx="0">
+            <a:schemeClr val="dk1"/>
+          </a:effectRef>
+          <a:fontRef idx="minor">
+            <a:schemeClr val="tx1"/>
+          </a:fontRef>
+        </p:style>
+      </p:cxnSp>
+      <p:sp>
+        <p:nvSpPr>
+          <p:cNvPr id="74" name="Elipse 73"/>
+          <p:cNvSpPr/>
+          <p:nvPr/>
+        </p:nvSpPr>
+        <p:spPr>
+          <a:xfrm>
+            <a:off x="1639490" y="4756126"/>
+            <a:ext cx="94268" cy="94268"/>
+          </a:xfrm>
+          <a:prstGeom prst="ellipse">
+            <a:avLst/>
+          </a:prstGeom>
+        </p:spPr>
+        <p:style>
+          <a:lnRef idx="2">
+            <a:schemeClr val="dk1">
+              <a:shade val="50000"/>
+            </a:schemeClr>
+          </a:lnRef>
+          <a:fillRef idx="1">
+            <a:schemeClr val="dk1"/>
+          </a:fillRef>
+          <a:effectRef idx="0">
+            <a:schemeClr val="dk1"/>
+          </a:effectRef>
+          <a:fontRef idx="minor">
+            <a:schemeClr val="lt1"/>
+          </a:fontRef>
+        </p:style>
+        <p:txBody>
+          <a:bodyPr rtlCol="0" anchor="ctr"/>
+          <a:lstStyle/>
+          <a:p>
+            <a:pPr algn="ctr"/>
+            <a:endParaRPr lang="es-419"/>
+          </a:p>
+        </p:txBody>
+      </p:sp>
+      <p:sp>
+        <p:nvSpPr>
+          <p:cNvPr id="78" name="CuadroTexto 77"/>
+          <p:cNvSpPr txBox="1"/>
+          <p:nvPr/>
+        </p:nvSpPr>
+        <p:spPr>
+          <a:xfrm>
+            <a:off x="420190" y="2053592"/>
+            <a:ext cx="410690" cy="276999"/>
+          </a:xfrm>
+          <a:prstGeom prst="rect">
+            <a:avLst/>
+          </a:prstGeom>
+          <a:noFill/>
+        </p:spPr>
+        <p:txBody>
+          <a:bodyPr wrap="none" rtlCol="0">
+            <a:spAutoFit/>
+          </a:bodyPr>
+          <a:lstStyle/>
+          <a:p>
+            <a:r>
+              <a:rPr lang="es-US" sz="1200" dirty="0"/>
+              <a:t>CLK</a:t>
+            </a:r>
+            <a:endParaRPr lang="es-419" sz="1200" dirty="0"/>
+          </a:p>
+        </p:txBody>
+      </p:sp>
+      <p:cxnSp>
+        <p:nvCxnSpPr>
+          <p:cNvPr id="79" name="Conector recto de flecha 78"/>
+          <p:cNvCxnSpPr/>
+          <p:nvPr/>
+        </p:nvCxnSpPr>
+        <p:spPr>
+          <a:xfrm>
+            <a:off x="772998" y="1408159"/>
+            <a:ext cx="2413262" cy="0"/>
+          </a:xfrm>
+          <a:prstGeom prst="straightConnector1">
+            <a:avLst/>
+          </a:prstGeom>
+          <a:ln>
+            <a:tailEnd type="triangle"/>
+          </a:ln>
+        </p:spPr>
+        <p:style>
+          <a:lnRef idx="1">
+            <a:schemeClr val="dk1"/>
+          </a:lnRef>
+          <a:fillRef idx="0">
+            <a:schemeClr val="dk1"/>
+          </a:fillRef>
+          <a:effectRef idx="0">
+            <a:schemeClr val="dk1"/>
+          </a:effectRef>
+          <a:fontRef idx="minor">
+            <a:schemeClr val="tx1"/>
+          </a:fontRef>
+        </p:style>
+      </p:cxnSp>
+      <p:sp>
+        <p:nvSpPr>
+          <p:cNvPr id="84" name="Elipse 83"/>
+          <p:cNvSpPr/>
+          <p:nvPr/>
+        </p:nvSpPr>
+        <p:spPr>
+          <a:xfrm>
+            <a:off x="1979629" y="1361082"/>
+            <a:ext cx="94268" cy="94268"/>
+          </a:xfrm>
+          <a:prstGeom prst="ellipse">
+            <a:avLst/>
+          </a:prstGeom>
+        </p:spPr>
+        <p:style>
+          <a:lnRef idx="2">
+            <a:schemeClr val="dk1">
+              <a:shade val="50000"/>
+            </a:schemeClr>
+          </a:lnRef>
+          <a:fillRef idx="1">
+            <a:schemeClr val="dk1"/>
+          </a:fillRef>
+          <a:effectRef idx="0">
+            <a:schemeClr val="dk1"/>
+          </a:effectRef>
+          <a:fontRef idx="minor">
+            <a:schemeClr val="lt1"/>
+          </a:fontRef>
+        </p:style>
+        <p:txBody>
+          <a:bodyPr rtlCol="0" anchor="ctr"/>
+          <a:lstStyle/>
+          <a:p>
+            <a:pPr algn="ctr"/>
+            <a:endParaRPr lang="es-419"/>
+          </a:p>
+        </p:txBody>
+      </p:sp>
+      <p:cxnSp>
+        <p:nvCxnSpPr>
+          <p:cNvPr id="89" name="Conector: angular 88"/>
+          <p:cNvCxnSpPr>
+            <a:stCxn id="84" idx="4"/>
+            <a:endCxn id="86" idx="1"/>
+          </p:cNvCxnSpPr>
+          <p:nvPr/>
+        </p:nvCxnSpPr>
+        <p:spPr>
+          <a:xfrm rot="16200000" flipH="1">
+            <a:off x="1180960" y="2301152"/>
+            <a:ext cx="2463420" cy="771815"/>
+          </a:xfrm>
+          <a:prstGeom prst="bentConnector2">
+            <a:avLst/>
+          </a:prstGeom>
+          <a:ln>
+            <a:tailEnd type="triangle"/>
+          </a:ln>
+        </p:spPr>
+        <p:style>
+          <a:lnRef idx="1">
+            <a:schemeClr val="dk1"/>
+          </a:lnRef>
+          <a:fillRef idx="0">
+            <a:schemeClr val="dk1"/>
+          </a:fillRef>
+          <a:effectRef idx="0">
+            <a:schemeClr val="dk1"/>
+          </a:effectRef>
+          <a:fontRef idx="minor">
+            <a:schemeClr val="tx1"/>
+          </a:fontRef>
+        </p:style>
+      </p:cxnSp>
+      <p:sp>
+        <p:nvSpPr>
+          <p:cNvPr id="91" name="Elipse 90"/>
+          <p:cNvSpPr/>
+          <p:nvPr/>
+        </p:nvSpPr>
+        <p:spPr>
+          <a:xfrm>
+            <a:off x="1979629" y="3867627"/>
+            <a:ext cx="94268" cy="94268"/>
+          </a:xfrm>
+          <a:prstGeom prst="ellipse">
+            <a:avLst/>
+          </a:prstGeom>
+        </p:spPr>
+        <p:style>
+          <a:lnRef idx="2">
+            <a:schemeClr val="dk1">
+              <a:shade val="50000"/>
+            </a:schemeClr>
+          </a:lnRef>
+          <a:fillRef idx="1">
+            <a:schemeClr val="dk1"/>
+          </a:fillRef>
+          <a:effectRef idx="0">
+            <a:schemeClr val="dk1"/>
+          </a:effectRef>
+          <a:fontRef idx="minor">
+            <a:schemeClr val="lt1"/>
+          </a:fontRef>
+        </p:style>
+        <p:txBody>
+          <a:bodyPr rtlCol="0" anchor="ctr"/>
+          <a:lstStyle/>
+          <a:p>
+            <a:pPr algn="ctr"/>
+            <a:endParaRPr lang="es-419"/>
+          </a:p>
+        </p:txBody>
+      </p:sp>
+      <p:sp>
+        <p:nvSpPr>
+          <p:cNvPr id="98" name="CuadroTexto 97"/>
+          <p:cNvSpPr txBox="1"/>
+          <p:nvPr/>
+        </p:nvSpPr>
+        <p:spPr>
+          <a:xfrm>
+            <a:off x="400016" y="1148287"/>
+            <a:ext cx="563103" cy="276999"/>
+          </a:xfrm>
+          <a:prstGeom prst="rect">
+            <a:avLst/>
+          </a:prstGeom>
+          <a:noFill/>
+        </p:spPr>
+        <p:txBody>
+          <a:bodyPr wrap="none" rtlCol="0">
+            <a:spAutoFit/>
+          </a:bodyPr>
+          <a:lstStyle/>
+          <a:p>
+            <a:r>
+              <a:rPr lang="es-US" sz="1200" dirty="0"/>
+              <a:t>RESET</a:t>
+            </a:r>
+            <a:endParaRPr lang="es-419" sz="1200" dirty="0"/>
+          </a:p>
+        </p:txBody>
+      </p:sp>
+      <p:sp>
+        <p:nvSpPr>
+          <p:cNvPr id="99" name="CuadroTexto 98"/>
+          <p:cNvSpPr txBox="1"/>
+          <p:nvPr/>
+        </p:nvSpPr>
+        <p:spPr>
+          <a:xfrm>
+            <a:off x="5776172" y="5669197"/>
+            <a:ext cx="563103" cy="276999"/>
+          </a:xfrm>
+          <a:prstGeom prst="rect">
+            <a:avLst/>
+          </a:prstGeom>
+          <a:noFill/>
+        </p:spPr>
+        <p:txBody>
+          <a:bodyPr wrap="none" rtlCol="0">
+            <a:spAutoFit/>
+          </a:bodyPr>
+          <a:lstStyle/>
+          <a:p>
+            <a:r>
+              <a:rPr lang="es-US" sz="1200" dirty="0"/>
+              <a:t>RESET</a:t>
+            </a:r>
+            <a:endParaRPr lang="es-419" sz="1200" dirty="0"/>
+          </a:p>
+        </p:txBody>
+      </p:sp>
+      <p:cxnSp>
+        <p:nvCxnSpPr>
+          <p:cNvPr id="101" name="Conector: angular 100"/>
+          <p:cNvCxnSpPr>
+            <a:stCxn id="99" idx="3"/>
+            <a:endCxn id="87" idx="1"/>
+          </p:cNvCxnSpPr>
+          <p:nvPr/>
+        </p:nvCxnSpPr>
+        <p:spPr>
+          <a:xfrm flipV="1">
+            <a:off x="6339275" y="4577315"/>
+            <a:ext cx="1043889" cy="1230382"/>
+          </a:xfrm>
+          <a:prstGeom prst="bentConnector3">
+            <a:avLst>
+              <a:gd name="adj1" fmla="val 32842"/>
+            </a:avLst>
+          </a:prstGeom>
+          <a:ln>
+            <a:tailEnd type="triangle"/>
+          </a:ln>
+        </p:spPr>
+        <p:style>
+          <a:lnRef idx="1">
+            <a:schemeClr val="dk1"/>
+          </a:lnRef>
+          <a:fillRef idx="0">
+            <a:schemeClr val="dk1"/>
+          </a:fillRef>
+          <a:effectRef idx="0">
+            <a:schemeClr val="dk1"/>
+          </a:effectRef>
+          <a:fontRef idx="minor">
+            <a:schemeClr val="tx1"/>
+          </a:fontRef>
+        </p:style>
+      </p:cxnSp>
+      <p:sp>
+        <p:nvSpPr>
+          <p:cNvPr id="104" name="CuadroTexto 103"/>
+          <p:cNvSpPr txBox="1"/>
+          <p:nvPr/>
+        </p:nvSpPr>
+        <p:spPr>
+          <a:xfrm>
+            <a:off x="973854" y="4026033"/>
+            <a:ext cx="1098314" cy="276999"/>
+          </a:xfrm>
+          <a:prstGeom prst="rect">
+            <a:avLst/>
+          </a:prstGeom>
+          <a:noFill/>
+        </p:spPr>
+        <p:txBody>
+          <a:bodyPr wrap="none" rtlCol="0">
+            <a:spAutoFit/>
+          </a:bodyPr>
+          <a:lstStyle/>
+          <a:p>
+            <a:r>
+              <a:rPr lang="es-US" sz="1200" dirty="0" err="1">
+                <a:solidFill>
+                  <a:schemeClr val="bg1"/>
+                </a:solidFill>
+              </a:rPr>
+              <a:t>DataMem</a:t>
+            </a:r>
+            <a:r>
+              <a:rPr lang="es-US" sz="1200" dirty="0">
+                <a:solidFill>
+                  <a:schemeClr val="bg1"/>
+                </a:solidFill>
+              </a:rPr>
+              <a:t>[7:0]</a:t>
+            </a:r>
+            <a:endParaRPr lang="es-419" sz="1200" dirty="0">
+              <a:solidFill>
+                <a:schemeClr val="bg1"/>
+              </a:solidFill>
+            </a:endParaRPr>
+          </a:p>
+        </p:txBody>
+      </p:sp>
+      <p:sp>
+        <p:nvSpPr>
+          <p:cNvPr id="106" name="CuadroTexto 105"/>
+          <p:cNvSpPr txBox="1"/>
+          <p:nvPr/>
+        </p:nvSpPr>
+        <p:spPr>
+          <a:xfrm>
+            <a:off x="1049269" y="4425222"/>
+            <a:ext cx="1031051" cy="276999"/>
+          </a:xfrm>
+          <a:prstGeom prst="rect">
+            <a:avLst/>
+          </a:prstGeom>
+          <a:noFill/>
+        </p:spPr>
+        <p:txBody>
+          <a:bodyPr wrap="none" rtlCol="0">
+            <a:spAutoFit/>
+          </a:bodyPr>
+          <a:lstStyle/>
+          <a:p>
+            <a:r>
+              <a:rPr lang="es-US" sz="1200" dirty="0" err="1">
+                <a:solidFill>
+                  <a:schemeClr val="bg1"/>
+                </a:solidFill>
+              </a:rPr>
+              <a:t>AdrMem</a:t>
+            </a:r>
+            <a:r>
+              <a:rPr lang="es-US" sz="1200" dirty="0">
+                <a:solidFill>
+                  <a:schemeClr val="bg1"/>
+                </a:solidFill>
+              </a:rPr>
+              <a:t>[7:0]</a:t>
+            </a:r>
+            <a:endParaRPr lang="es-419" sz="1200" dirty="0">
+              <a:solidFill>
+                <a:schemeClr val="bg1"/>
+              </a:solidFill>
+            </a:endParaRPr>
+          </a:p>
+        </p:txBody>
+      </p:sp>
+    </p:spTree>
+    <p:extLst>
+      <p:ext uri="{BB962C8B-B14F-4D97-AF65-F5344CB8AC3E}">
+        <p14:creationId xmlns:p14="http://schemas.microsoft.com/office/powerpoint/2010/main" val="2237169955"/>
+      </p:ext>
+    </p:extLst>
+  </p:cSld>
+  <p:clrMapOvr>
+    <a:masterClrMapping/>
+  </p:clrMapOvr>
+</p:sld>
+</file>
+
 <file path=ppt/theme/theme1.xml><?xml version="1.0" encoding="utf-8"?>
 <a:theme xmlns:a="http://schemas.openxmlformats.org/drawingml/2006/main" name="Tema de Office">
   <a:themeElements>
